--- a/slides/lit_review_011516.pptx
+++ b/slides/lit_review_011516.pptx
@@ -3209,7 +3209,7 @@
         </p:blipFill>
         <p:spPr>
           <a:xfrm>
-            <a:off x="0" y="-450301"/>
+            <a:off x="0" y="-578901"/>
             <a:ext cx="9144000" cy="2738499"/>
           </a:xfrm>
           <a:prstGeom prst="rect">
